--- a/MerrittAdminTool.pptx
+++ b/MerrittAdminTool.pptx
@@ -104,6 +104,11 @@
       </a:defRPr>
     </a:lvl9pPr>
   </p:defaultTextStyle>
+  <p:extLst>
+    <p:ext uri="{EFAFB233-063F-42B5-8137-9DF3F51BA10A}">
+      <p15:sldGuideLst xmlns:p15="http://schemas.microsoft.com/office/powerpoint/2012/main"/>
+    </p:ext>
+  </p:extLst>
 </p:presentation>
 </file>
 
@@ -254,7 +259,7 @@
           <a:p>
             <a:fld id="{AE1A7CCD-68FC-4D4F-B742-3158DAA661D0}" type="datetimeFigureOut">
               <a:rPr lang="en-US" smtClean="0"/>
-              <a:t>8/7/20</a:t>
+              <a:t>9/15/20</a:t>
             </a:fld>
             <a:endParaRPr lang="en-US"/>
           </a:p>
@@ -452,7 +457,7 @@
           <a:p>
             <a:fld id="{AE1A7CCD-68FC-4D4F-B742-3158DAA661D0}" type="datetimeFigureOut">
               <a:rPr lang="en-US" smtClean="0"/>
-              <a:t>8/7/20</a:t>
+              <a:t>9/15/20</a:t>
             </a:fld>
             <a:endParaRPr lang="en-US"/>
           </a:p>
@@ -660,7 +665,7 @@
           <a:p>
             <a:fld id="{AE1A7CCD-68FC-4D4F-B742-3158DAA661D0}" type="datetimeFigureOut">
               <a:rPr lang="en-US" smtClean="0"/>
-              <a:t>8/7/20</a:t>
+              <a:t>9/15/20</a:t>
             </a:fld>
             <a:endParaRPr lang="en-US"/>
           </a:p>
@@ -858,7 +863,7 @@
           <a:p>
             <a:fld id="{AE1A7CCD-68FC-4D4F-B742-3158DAA661D0}" type="datetimeFigureOut">
               <a:rPr lang="en-US" smtClean="0"/>
-              <a:t>8/7/20</a:t>
+              <a:t>9/15/20</a:t>
             </a:fld>
             <a:endParaRPr lang="en-US"/>
           </a:p>
@@ -1133,7 +1138,7 @@
           <a:p>
             <a:fld id="{AE1A7CCD-68FC-4D4F-B742-3158DAA661D0}" type="datetimeFigureOut">
               <a:rPr lang="en-US" smtClean="0"/>
-              <a:t>8/7/20</a:t>
+              <a:t>9/15/20</a:t>
             </a:fld>
             <a:endParaRPr lang="en-US"/>
           </a:p>
@@ -1398,7 +1403,7 @@
           <a:p>
             <a:fld id="{AE1A7CCD-68FC-4D4F-B742-3158DAA661D0}" type="datetimeFigureOut">
               <a:rPr lang="en-US" smtClean="0"/>
-              <a:t>8/7/20</a:t>
+              <a:t>9/15/20</a:t>
             </a:fld>
             <a:endParaRPr lang="en-US"/>
           </a:p>
@@ -1810,7 +1815,7 @@
           <a:p>
             <a:fld id="{AE1A7CCD-68FC-4D4F-B742-3158DAA661D0}" type="datetimeFigureOut">
               <a:rPr lang="en-US" smtClean="0"/>
-              <a:t>8/7/20</a:t>
+              <a:t>9/15/20</a:t>
             </a:fld>
             <a:endParaRPr lang="en-US"/>
           </a:p>
@@ -1951,7 +1956,7 @@
           <a:p>
             <a:fld id="{AE1A7CCD-68FC-4D4F-B742-3158DAA661D0}" type="datetimeFigureOut">
               <a:rPr lang="en-US" smtClean="0"/>
-              <a:t>8/7/20</a:t>
+              <a:t>9/15/20</a:t>
             </a:fld>
             <a:endParaRPr lang="en-US"/>
           </a:p>
@@ -2064,7 +2069,7 @@
           <a:p>
             <a:fld id="{AE1A7CCD-68FC-4D4F-B742-3158DAA661D0}" type="datetimeFigureOut">
               <a:rPr lang="en-US" smtClean="0"/>
-              <a:t>8/7/20</a:t>
+              <a:t>9/15/20</a:t>
             </a:fld>
             <a:endParaRPr lang="en-US"/>
           </a:p>
@@ -2375,7 +2380,7 @@
           <a:p>
             <a:fld id="{AE1A7CCD-68FC-4D4F-B742-3158DAA661D0}" type="datetimeFigureOut">
               <a:rPr lang="en-US" smtClean="0"/>
-              <a:t>8/7/20</a:t>
+              <a:t>9/15/20</a:t>
             </a:fld>
             <a:endParaRPr lang="en-US"/>
           </a:p>
@@ -2663,7 +2668,7 @@
           <a:p>
             <a:fld id="{AE1A7CCD-68FC-4D4F-B742-3158DAA661D0}" type="datetimeFigureOut">
               <a:rPr lang="en-US" smtClean="0"/>
-              <a:t>8/7/20</a:t>
+              <a:t>9/15/20</a:t>
             </a:fld>
             <a:endParaRPr lang="en-US"/>
           </a:p>
@@ -2904,7 +2909,7 @@
           <a:p>
             <a:fld id="{AE1A7CCD-68FC-4D4F-B742-3158DAA661D0}" type="datetimeFigureOut">
               <a:rPr lang="en-US" smtClean="0"/>
-              <a:t>8/7/20</a:t>
+              <a:t>9/15/20</a:t>
             </a:fld>
             <a:endParaRPr lang="en-US"/>
           </a:p>
@@ -4235,6 +4240,112 @@
           </a:p>
         </p:txBody>
       </p:sp>
+      <p:sp>
+        <p:nvSpPr>
+          <p:cNvPr id="2" name="Down Arrow Callout 1">
+            <a:extLst>
+              <a:ext uri="{FF2B5EF4-FFF2-40B4-BE49-F238E27FC236}">
+                <a16:creationId xmlns:a16="http://schemas.microsoft.com/office/drawing/2014/main" id="{4F96138E-CDE7-E74B-B6A0-3704F1D11DD0}"/>
+              </a:ext>
+            </a:extLst>
+          </p:cNvPr>
+          <p:cNvSpPr/>
+          <p:nvPr/>
+        </p:nvSpPr>
+        <p:spPr>
+          <a:xfrm>
+            <a:off x="5086408" y="3660952"/>
+            <a:ext cx="1273085" cy="1332614"/>
+          </a:xfrm>
+          <a:prstGeom prst="downArrowCallout">
+            <a:avLst/>
+          </a:prstGeom>
+        </p:spPr>
+        <p:style>
+          <a:lnRef idx="3">
+            <a:schemeClr val="lt1"/>
+          </a:lnRef>
+          <a:fillRef idx="1">
+            <a:schemeClr val="accent4"/>
+          </a:fillRef>
+          <a:effectRef idx="1">
+            <a:schemeClr val="accent4"/>
+          </a:effectRef>
+          <a:fontRef idx="minor">
+            <a:schemeClr val="lt1"/>
+          </a:fontRef>
+        </p:style>
+        <p:txBody>
+          <a:bodyPr rtlCol="0" anchor="ctr"/>
+          <a:lstStyle/>
+          <a:p>
+            <a:pPr algn="ctr"/>
+            <a:r>
+              <a:rPr lang="en-US" dirty="0"/>
+              <a:t>Web Application</a:t>
+            </a:r>
+          </a:p>
+          <a:p>
+            <a:pPr algn="ctr"/>
+            <a:r>
+              <a:rPr lang="en-US" dirty="0"/>
+              <a:t>Firewall</a:t>
+            </a:r>
+          </a:p>
+        </p:txBody>
+      </p:sp>
+      <p:sp>
+        <p:nvSpPr>
+          <p:cNvPr id="3" name="Right Arrow Callout 2">
+            <a:extLst>
+              <a:ext uri="{FF2B5EF4-FFF2-40B4-BE49-F238E27FC236}">
+                <a16:creationId xmlns:a16="http://schemas.microsoft.com/office/drawing/2014/main" id="{25F8C495-91DE-D145-8D13-F2438B202373}"/>
+              </a:ext>
+            </a:extLst>
+          </p:cNvPr>
+          <p:cNvSpPr/>
+          <p:nvPr/>
+        </p:nvSpPr>
+        <p:spPr>
+          <a:xfrm>
+            <a:off x="265814" y="3467551"/>
+            <a:ext cx="1942659" cy="923696"/>
+          </a:xfrm>
+          <a:prstGeom prst="rightArrowCallout">
+            <a:avLst>
+              <a:gd name="adj1" fmla="val 25000"/>
+              <a:gd name="adj2" fmla="val 25000"/>
+              <a:gd name="adj3" fmla="val 25000"/>
+              <a:gd name="adj4" fmla="val 75376"/>
+            </a:avLst>
+          </a:prstGeom>
+        </p:spPr>
+        <p:style>
+          <a:lnRef idx="3">
+            <a:schemeClr val="lt1"/>
+          </a:lnRef>
+          <a:fillRef idx="1">
+            <a:schemeClr val="accent4"/>
+          </a:fillRef>
+          <a:effectRef idx="1">
+            <a:schemeClr val="accent4"/>
+          </a:effectRef>
+          <a:fontRef idx="minor">
+            <a:schemeClr val="lt1"/>
+          </a:fontRef>
+        </p:style>
+        <p:txBody>
+          <a:bodyPr rtlCol="0" anchor="ctr"/>
+          <a:lstStyle/>
+          <a:p>
+            <a:pPr algn="ctr"/>
+            <a:r>
+              <a:rPr lang="en-US" dirty="0"/>
+              <a:t>Web Application Firewall</a:t>
+            </a:r>
+          </a:p>
+        </p:txBody>
+      </p:sp>
     </p:spTree>
     <p:extLst>
       <p:ext uri="{BB962C8B-B14F-4D97-AF65-F5344CB8AC3E}">
